--- a/越語詩歌/VÌ GIÊ-XU SỐNG.pptx
+++ b/越語詩歌/VÌ GIÊ-XU SỐNG.pptx
@@ -298,7 +298,8 @@
           <a:p>
             <a:fld id="{2F1EBCE9-37A8-40F2-A48F-C8A470C397B9}" type="datetimeFigureOut">
               <a:rPr lang="vi-VN" smtClean="0"/>
-              <a:t>07/09/2022</a:t>
+              <a:pPr/>
+              <a:t>11/09/2022</a:t>
             </a:fld>
             <a:endParaRPr lang="vi-VN"/>
           </a:p>
@@ -340,6 +341,7 @@
           <a:p>
             <a:fld id="{13F61CAC-7311-4408-9799-651F6CBD428F}" type="slidenum">
               <a:rPr lang="vi-VN" smtClean="0"/>
+              <a:pPr/>
               <a:t>‹#›</a:t>
             </a:fld>
             <a:endParaRPr lang="vi-VN"/>
@@ -349,7 +351,7 @@
     </p:spTree>
     <p:extLst>
       <p:ext uri="{BB962C8B-B14F-4D97-AF65-F5344CB8AC3E}">
-        <p14:creationId xmlns:p14="http://schemas.microsoft.com/office/powerpoint/2010/main" val="2341378072"/>
+        <p14:creationId xmlns="" xmlns:p14="http://schemas.microsoft.com/office/powerpoint/2010/main" val="2341378072"/>
       </p:ext>
     </p:extLst>
   </p:cSld>
@@ -468,7 +470,8 @@
           <a:p>
             <a:fld id="{2F1EBCE9-37A8-40F2-A48F-C8A470C397B9}" type="datetimeFigureOut">
               <a:rPr lang="vi-VN" smtClean="0"/>
-              <a:t>07/09/2022</a:t>
+              <a:pPr/>
+              <a:t>11/09/2022</a:t>
             </a:fld>
             <a:endParaRPr lang="vi-VN"/>
           </a:p>
@@ -510,6 +513,7 @@
           <a:p>
             <a:fld id="{13F61CAC-7311-4408-9799-651F6CBD428F}" type="slidenum">
               <a:rPr lang="vi-VN" smtClean="0"/>
+              <a:pPr/>
               <a:t>‹#›</a:t>
             </a:fld>
             <a:endParaRPr lang="vi-VN"/>
@@ -519,7 +523,7 @@
     </p:spTree>
     <p:extLst>
       <p:ext uri="{BB962C8B-B14F-4D97-AF65-F5344CB8AC3E}">
-        <p14:creationId xmlns:p14="http://schemas.microsoft.com/office/powerpoint/2010/main" val="452186"/>
+        <p14:creationId xmlns="" xmlns:p14="http://schemas.microsoft.com/office/powerpoint/2010/main" val="452186"/>
       </p:ext>
     </p:extLst>
   </p:cSld>
@@ -648,7 +652,8 @@
           <a:p>
             <a:fld id="{2F1EBCE9-37A8-40F2-A48F-C8A470C397B9}" type="datetimeFigureOut">
               <a:rPr lang="vi-VN" smtClean="0"/>
-              <a:t>07/09/2022</a:t>
+              <a:pPr/>
+              <a:t>11/09/2022</a:t>
             </a:fld>
             <a:endParaRPr lang="vi-VN"/>
           </a:p>
@@ -690,6 +695,7 @@
           <a:p>
             <a:fld id="{13F61CAC-7311-4408-9799-651F6CBD428F}" type="slidenum">
               <a:rPr lang="vi-VN" smtClean="0"/>
+              <a:pPr/>
               <a:t>‹#›</a:t>
             </a:fld>
             <a:endParaRPr lang="vi-VN"/>
@@ -699,7 +705,7 @@
     </p:spTree>
     <p:extLst>
       <p:ext uri="{BB962C8B-B14F-4D97-AF65-F5344CB8AC3E}">
-        <p14:creationId xmlns:p14="http://schemas.microsoft.com/office/powerpoint/2010/main" val="3001462556"/>
+        <p14:creationId xmlns="" xmlns:p14="http://schemas.microsoft.com/office/powerpoint/2010/main" val="3001462556"/>
       </p:ext>
     </p:extLst>
   </p:cSld>
@@ -818,7 +824,8 @@
           <a:p>
             <a:fld id="{2F1EBCE9-37A8-40F2-A48F-C8A470C397B9}" type="datetimeFigureOut">
               <a:rPr lang="vi-VN" smtClean="0"/>
-              <a:t>07/09/2022</a:t>
+              <a:pPr/>
+              <a:t>11/09/2022</a:t>
             </a:fld>
             <a:endParaRPr lang="vi-VN"/>
           </a:p>
@@ -860,6 +867,7 @@
           <a:p>
             <a:fld id="{13F61CAC-7311-4408-9799-651F6CBD428F}" type="slidenum">
               <a:rPr lang="vi-VN" smtClean="0"/>
+              <a:pPr/>
               <a:t>‹#›</a:t>
             </a:fld>
             <a:endParaRPr lang="vi-VN"/>
@@ -869,7 +877,7 @@
     </p:spTree>
     <p:extLst>
       <p:ext uri="{BB962C8B-B14F-4D97-AF65-F5344CB8AC3E}">
-        <p14:creationId xmlns:p14="http://schemas.microsoft.com/office/powerpoint/2010/main" val="2455803527"/>
+        <p14:creationId xmlns="" xmlns:p14="http://schemas.microsoft.com/office/powerpoint/2010/main" val="2455803527"/>
       </p:ext>
     </p:extLst>
   </p:cSld>
@@ -1064,7 +1072,8 @@
           <a:p>
             <a:fld id="{2F1EBCE9-37A8-40F2-A48F-C8A470C397B9}" type="datetimeFigureOut">
               <a:rPr lang="vi-VN" smtClean="0"/>
-              <a:t>07/09/2022</a:t>
+              <a:pPr/>
+              <a:t>11/09/2022</a:t>
             </a:fld>
             <a:endParaRPr lang="vi-VN"/>
           </a:p>
@@ -1106,6 +1115,7 @@
           <a:p>
             <a:fld id="{13F61CAC-7311-4408-9799-651F6CBD428F}" type="slidenum">
               <a:rPr lang="vi-VN" smtClean="0"/>
+              <a:pPr/>
               <a:t>‹#›</a:t>
             </a:fld>
             <a:endParaRPr lang="vi-VN"/>
@@ -1115,7 +1125,7 @@
     </p:spTree>
     <p:extLst>
       <p:ext uri="{BB962C8B-B14F-4D97-AF65-F5344CB8AC3E}">
-        <p14:creationId xmlns:p14="http://schemas.microsoft.com/office/powerpoint/2010/main" val="1570315677"/>
+        <p14:creationId xmlns="" xmlns:p14="http://schemas.microsoft.com/office/powerpoint/2010/main" val="1570315677"/>
       </p:ext>
     </p:extLst>
   </p:cSld>
@@ -1352,7 +1362,8 @@
           <a:p>
             <a:fld id="{2F1EBCE9-37A8-40F2-A48F-C8A470C397B9}" type="datetimeFigureOut">
               <a:rPr lang="vi-VN" smtClean="0"/>
-              <a:t>07/09/2022</a:t>
+              <a:pPr/>
+              <a:t>11/09/2022</a:t>
             </a:fld>
             <a:endParaRPr lang="vi-VN"/>
           </a:p>
@@ -1394,6 +1405,7 @@
           <a:p>
             <a:fld id="{13F61CAC-7311-4408-9799-651F6CBD428F}" type="slidenum">
               <a:rPr lang="vi-VN" smtClean="0"/>
+              <a:pPr/>
               <a:t>‹#›</a:t>
             </a:fld>
             <a:endParaRPr lang="vi-VN"/>
@@ -1403,7 +1415,7 @@
     </p:spTree>
     <p:extLst>
       <p:ext uri="{BB962C8B-B14F-4D97-AF65-F5344CB8AC3E}">
-        <p14:creationId xmlns:p14="http://schemas.microsoft.com/office/powerpoint/2010/main" val="2524055416"/>
+        <p14:creationId xmlns="" xmlns:p14="http://schemas.microsoft.com/office/powerpoint/2010/main" val="2524055416"/>
       </p:ext>
     </p:extLst>
   </p:cSld>
@@ -1774,7 +1786,8 @@
           <a:p>
             <a:fld id="{2F1EBCE9-37A8-40F2-A48F-C8A470C397B9}" type="datetimeFigureOut">
               <a:rPr lang="vi-VN" smtClean="0"/>
-              <a:t>07/09/2022</a:t>
+              <a:pPr/>
+              <a:t>11/09/2022</a:t>
             </a:fld>
             <a:endParaRPr lang="vi-VN"/>
           </a:p>
@@ -1816,6 +1829,7 @@
           <a:p>
             <a:fld id="{13F61CAC-7311-4408-9799-651F6CBD428F}" type="slidenum">
               <a:rPr lang="vi-VN" smtClean="0"/>
+              <a:pPr/>
               <a:t>‹#›</a:t>
             </a:fld>
             <a:endParaRPr lang="vi-VN"/>
@@ -1825,7 +1839,7 @@
     </p:spTree>
     <p:extLst>
       <p:ext uri="{BB962C8B-B14F-4D97-AF65-F5344CB8AC3E}">
-        <p14:creationId xmlns:p14="http://schemas.microsoft.com/office/powerpoint/2010/main" val="4261133299"/>
+        <p14:creationId xmlns="" xmlns:p14="http://schemas.microsoft.com/office/powerpoint/2010/main" val="4261133299"/>
       </p:ext>
     </p:extLst>
   </p:cSld>
@@ -1892,7 +1906,8 @@
           <a:p>
             <a:fld id="{2F1EBCE9-37A8-40F2-A48F-C8A470C397B9}" type="datetimeFigureOut">
               <a:rPr lang="vi-VN" smtClean="0"/>
-              <a:t>07/09/2022</a:t>
+              <a:pPr/>
+              <a:t>11/09/2022</a:t>
             </a:fld>
             <a:endParaRPr lang="vi-VN"/>
           </a:p>
@@ -1934,6 +1949,7 @@
           <a:p>
             <a:fld id="{13F61CAC-7311-4408-9799-651F6CBD428F}" type="slidenum">
               <a:rPr lang="vi-VN" smtClean="0"/>
+              <a:pPr/>
               <a:t>‹#›</a:t>
             </a:fld>
             <a:endParaRPr lang="vi-VN"/>
@@ -1943,7 +1959,7 @@
     </p:spTree>
     <p:extLst>
       <p:ext uri="{BB962C8B-B14F-4D97-AF65-F5344CB8AC3E}">
-        <p14:creationId xmlns:p14="http://schemas.microsoft.com/office/powerpoint/2010/main" val="3450452788"/>
+        <p14:creationId xmlns="" xmlns:p14="http://schemas.microsoft.com/office/powerpoint/2010/main" val="3450452788"/>
       </p:ext>
     </p:extLst>
   </p:cSld>
@@ -1987,7 +2003,8 @@
           <a:p>
             <a:fld id="{2F1EBCE9-37A8-40F2-A48F-C8A470C397B9}" type="datetimeFigureOut">
               <a:rPr lang="vi-VN" smtClean="0"/>
-              <a:t>07/09/2022</a:t>
+              <a:pPr/>
+              <a:t>11/09/2022</a:t>
             </a:fld>
             <a:endParaRPr lang="vi-VN"/>
           </a:p>
@@ -2029,6 +2046,7 @@
           <a:p>
             <a:fld id="{13F61CAC-7311-4408-9799-651F6CBD428F}" type="slidenum">
               <a:rPr lang="vi-VN" smtClean="0"/>
+              <a:pPr/>
               <a:t>‹#›</a:t>
             </a:fld>
             <a:endParaRPr lang="vi-VN"/>
@@ -2038,7 +2056,7 @@
     </p:spTree>
     <p:extLst>
       <p:ext uri="{BB962C8B-B14F-4D97-AF65-F5344CB8AC3E}">
-        <p14:creationId xmlns:p14="http://schemas.microsoft.com/office/powerpoint/2010/main" val="4244361572"/>
+        <p14:creationId xmlns="" xmlns:p14="http://schemas.microsoft.com/office/powerpoint/2010/main" val="4244361572"/>
       </p:ext>
     </p:extLst>
   </p:cSld>
@@ -2264,7 +2282,8 @@
           <a:p>
             <a:fld id="{2F1EBCE9-37A8-40F2-A48F-C8A470C397B9}" type="datetimeFigureOut">
               <a:rPr lang="vi-VN" smtClean="0"/>
-              <a:t>07/09/2022</a:t>
+              <a:pPr/>
+              <a:t>11/09/2022</a:t>
             </a:fld>
             <a:endParaRPr lang="vi-VN"/>
           </a:p>
@@ -2306,6 +2325,7 @@
           <a:p>
             <a:fld id="{13F61CAC-7311-4408-9799-651F6CBD428F}" type="slidenum">
               <a:rPr lang="vi-VN" smtClean="0"/>
+              <a:pPr/>
               <a:t>‹#›</a:t>
             </a:fld>
             <a:endParaRPr lang="vi-VN"/>
@@ -2315,7 +2335,7 @@
     </p:spTree>
     <p:extLst>
       <p:ext uri="{BB962C8B-B14F-4D97-AF65-F5344CB8AC3E}">
-        <p14:creationId xmlns:p14="http://schemas.microsoft.com/office/powerpoint/2010/main" val="3830049333"/>
+        <p14:creationId xmlns="" xmlns:p14="http://schemas.microsoft.com/office/powerpoint/2010/main" val="3830049333"/>
       </p:ext>
     </p:extLst>
   </p:cSld>
@@ -2521,7 +2541,8 @@
           <a:p>
             <a:fld id="{2F1EBCE9-37A8-40F2-A48F-C8A470C397B9}" type="datetimeFigureOut">
               <a:rPr lang="vi-VN" smtClean="0"/>
-              <a:t>07/09/2022</a:t>
+              <a:pPr/>
+              <a:t>11/09/2022</a:t>
             </a:fld>
             <a:endParaRPr lang="vi-VN"/>
           </a:p>
@@ -2563,6 +2584,7 @@
           <a:p>
             <a:fld id="{13F61CAC-7311-4408-9799-651F6CBD428F}" type="slidenum">
               <a:rPr lang="vi-VN" smtClean="0"/>
+              <a:pPr/>
               <a:t>‹#›</a:t>
             </a:fld>
             <a:endParaRPr lang="vi-VN"/>
@@ -2572,7 +2594,7 @@
     </p:spTree>
     <p:extLst>
       <p:ext uri="{BB962C8B-B14F-4D97-AF65-F5344CB8AC3E}">
-        <p14:creationId xmlns:p14="http://schemas.microsoft.com/office/powerpoint/2010/main" val="480144567"/>
+        <p14:creationId xmlns="" xmlns:p14="http://schemas.microsoft.com/office/powerpoint/2010/main" val="480144567"/>
       </p:ext>
     </p:extLst>
   </p:cSld>
@@ -2739,7 +2761,8 @@
           <a:p>
             <a:fld id="{2F1EBCE9-37A8-40F2-A48F-C8A470C397B9}" type="datetimeFigureOut">
               <a:rPr lang="vi-VN" smtClean="0"/>
-              <a:t>07/09/2022</a:t>
+              <a:pPr/>
+              <a:t>11/09/2022</a:t>
             </a:fld>
             <a:endParaRPr lang="vi-VN"/>
           </a:p>
@@ -2817,6 +2840,7 @@
           <a:p>
             <a:fld id="{13F61CAC-7311-4408-9799-651F6CBD428F}" type="slidenum">
               <a:rPr lang="vi-VN" smtClean="0"/>
+              <a:pPr/>
               <a:t>‹#›</a:t>
             </a:fld>
             <a:endParaRPr lang="vi-VN"/>
@@ -2826,7 +2850,7 @@
     </p:spTree>
     <p:extLst>
       <p:ext uri="{BB962C8B-B14F-4D97-AF65-F5344CB8AC3E}">
-        <p14:creationId xmlns:p14="http://schemas.microsoft.com/office/powerpoint/2010/main" val="2158853954"/>
+        <p14:creationId xmlns="" xmlns:p14="http://schemas.microsoft.com/office/powerpoint/2010/main" val="2158853954"/>
       </p:ext>
     </p:extLst>
   </p:cSld>
@@ -3175,7 +3199,7 @@
     </p:spTree>
     <p:extLst>
       <p:ext uri="{BB962C8B-B14F-4D97-AF65-F5344CB8AC3E}">
-        <p14:creationId xmlns:p14="http://schemas.microsoft.com/office/powerpoint/2010/main" val="587020125"/>
+        <p14:creationId xmlns="" xmlns:p14="http://schemas.microsoft.com/office/powerpoint/2010/main" val="587020125"/>
       </p:ext>
     </p:extLst>
   </p:cSld>
@@ -3572,7 +3596,7 @@
     </p:spTree>
     <p:extLst>
       <p:ext uri="{BB962C8B-B14F-4D97-AF65-F5344CB8AC3E}">
-        <p14:creationId xmlns:p14="http://schemas.microsoft.com/office/powerpoint/2010/main" val="1332407175"/>
+        <p14:creationId xmlns="" xmlns:p14="http://schemas.microsoft.com/office/powerpoint/2010/main" val="1332407175"/>
       </p:ext>
     </p:extLst>
   </p:cSld>
@@ -4086,7 +4110,7 @@
     </p:spTree>
     <p:extLst>
       <p:ext uri="{BB962C8B-B14F-4D97-AF65-F5344CB8AC3E}">
-        <p14:creationId xmlns:p14="http://schemas.microsoft.com/office/powerpoint/2010/main" val="2227925074"/>
+        <p14:creationId xmlns="" xmlns:p14="http://schemas.microsoft.com/office/powerpoint/2010/main" val="2227925074"/>
       </p:ext>
     </p:extLst>
   </p:cSld>
@@ -4539,7 +4563,7 @@
     </p:spTree>
     <p:extLst>
       <p:ext uri="{BB962C8B-B14F-4D97-AF65-F5344CB8AC3E}">
-        <p14:creationId xmlns:p14="http://schemas.microsoft.com/office/powerpoint/2010/main" val="3763218353"/>
+        <p14:creationId xmlns="" xmlns:p14="http://schemas.microsoft.com/office/powerpoint/2010/main" val="3763218353"/>
       </p:ext>
     </p:extLst>
   </p:cSld>
@@ -4862,7 +4886,7 @@
     </p:spTree>
     <p:extLst>
       <p:ext uri="{BB962C8B-B14F-4D97-AF65-F5344CB8AC3E}">
-        <p14:creationId xmlns:p14="http://schemas.microsoft.com/office/powerpoint/2010/main" val="1256117376"/>
+        <p14:creationId xmlns="" xmlns:p14="http://schemas.microsoft.com/office/powerpoint/2010/main" val="1256117376"/>
       </p:ext>
     </p:extLst>
   </p:cSld>
@@ -5225,7 +5249,7 @@
     </p:spTree>
     <p:extLst>
       <p:ext uri="{BB962C8B-B14F-4D97-AF65-F5344CB8AC3E}">
-        <p14:creationId xmlns:p14="http://schemas.microsoft.com/office/powerpoint/2010/main" val="1243293690"/>
+        <p14:creationId xmlns="" xmlns:p14="http://schemas.microsoft.com/office/powerpoint/2010/main" val="1243293690"/>
       </p:ext>
     </p:extLst>
   </p:cSld>
@@ -5629,7 +5653,7 @@
     </p:spTree>
     <p:extLst>
       <p:ext uri="{BB962C8B-B14F-4D97-AF65-F5344CB8AC3E}">
-        <p14:creationId xmlns:p14="http://schemas.microsoft.com/office/powerpoint/2010/main" val="1048791409"/>
+        <p14:creationId xmlns="" xmlns:p14="http://schemas.microsoft.com/office/powerpoint/2010/main" val="1048791409"/>
       </p:ext>
     </p:extLst>
   </p:cSld>
@@ -6143,7 +6167,7 @@
     </p:spTree>
     <p:extLst>
       <p:ext uri="{BB962C8B-B14F-4D97-AF65-F5344CB8AC3E}">
-        <p14:creationId xmlns:p14="http://schemas.microsoft.com/office/powerpoint/2010/main" val="2671697796"/>
+        <p14:creationId xmlns="" xmlns:p14="http://schemas.microsoft.com/office/powerpoint/2010/main" val="2671697796"/>
       </p:ext>
     </p:extLst>
   </p:cSld>
@@ -6273,7 +6297,7 @@
               <a:t>đi</a:t>
             </a:r>
             <a:r>
-              <a:rPr lang="fr-FR" sz="4400" b="1" dirty="0">
+              <a:rPr lang="fr-FR" sz="4400" b="1">
                 <a:solidFill>
                   <a:srgbClr val="000066"/>
                 </a:solidFill>
@@ -6283,24 +6307,14 @@
               <a:t>, </a:t>
             </a:r>
             <a:r>
-              <a:rPr lang="fr-FR" sz="4400" b="1" dirty="0" err="1">
-                <a:solidFill>
-                  <a:srgbClr val="000066"/>
-                </a:solidFill>
-                <a:latin typeface="Calibri" panose="020F0502020204030204" pitchFamily="34" charset="0"/>
-                <a:cs typeface="Calibri" panose="020F0502020204030204" pitchFamily="34" charset="0"/>
-              </a:rPr>
-              <a:t>tôi</a:t>
-            </a:r>
-            <a:r>
-              <a:rPr lang="fr-FR" sz="4400" b="1" dirty="0">
-                <a:solidFill>
-                  <a:srgbClr val="000066"/>
-                </a:solidFill>
-                <a:latin typeface="Calibri" panose="020F0502020204030204" pitchFamily="34" charset="0"/>
-                <a:cs typeface="Calibri" panose="020F0502020204030204" pitchFamily="34" charset="0"/>
-              </a:rPr>
-              <a:t> </a:t>
+              <a:rPr lang="fr-FR" sz="4400" b="1" smtClean="0">
+                <a:solidFill>
+                  <a:srgbClr val="000066"/>
+                </a:solidFill>
+                <a:latin typeface="Calibri" panose="020F0502020204030204" pitchFamily="34" charset="0"/>
+                <a:cs typeface="Calibri" panose="020F0502020204030204" pitchFamily="34" charset="0"/>
+              </a:rPr>
+              <a:t>luôn </a:t>
             </a:r>
             <a:r>
               <a:rPr lang="fr-FR" sz="4400" b="1" dirty="0" err="1">
@@ -6395,144 +6409,24 @@
               <a:buNone/>
             </a:pPr>
             <a:r>
-              <a:rPr lang="fr-FR" sz="4400" b="1" dirty="0" err="1">
-                <a:solidFill>
-                  <a:srgbClr val="000066"/>
-                </a:solidFill>
-                <a:latin typeface="Calibri" panose="020F0502020204030204" pitchFamily="34" charset="0"/>
-                <a:cs typeface="Calibri" panose="020F0502020204030204" pitchFamily="34" charset="0"/>
-              </a:rPr>
-              <a:t>Dẫu</a:t>
-            </a:r>
-            <a:r>
-              <a:rPr lang="fr-FR" sz="4400" b="1" dirty="0">
-                <a:solidFill>
-                  <a:srgbClr val="000066"/>
-                </a:solidFill>
-                <a:latin typeface="Calibri" panose="020F0502020204030204" pitchFamily="34" charset="0"/>
-                <a:cs typeface="Calibri" panose="020F0502020204030204" pitchFamily="34" charset="0"/>
-              </a:rPr>
-              <a:t> </a:t>
-            </a:r>
-            <a:r>
-              <a:rPr lang="fr-FR" sz="4400" b="1" dirty="0" err="1">
-                <a:solidFill>
-                  <a:srgbClr val="000066"/>
-                </a:solidFill>
-                <a:latin typeface="Calibri" panose="020F0502020204030204" pitchFamily="34" charset="0"/>
-                <a:cs typeface="Calibri" panose="020F0502020204030204" pitchFamily="34" charset="0"/>
-              </a:rPr>
-              <a:t>cho</a:t>
-            </a:r>
-            <a:r>
-              <a:rPr lang="fr-FR" sz="4400" b="1" dirty="0">
-                <a:solidFill>
-                  <a:srgbClr val="000066"/>
-                </a:solidFill>
-                <a:latin typeface="Calibri" panose="020F0502020204030204" pitchFamily="34" charset="0"/>
-                <a:cs typeface="Calibri" panose="020F0502020204030204" pitchFamily="34" charset="0"/>
-              </a:rPr>
-              <a:t> </a:t>
-            </a:r>
-            <a:r>
-              <a:rPr lang="fr-FR" sz="4400" b="1" dirty="0" err="1">
-                <a:solidFill>
-                  <a:srgbClr val="000066"/>
-                </a:solidFill>
-                <a:latin typeface="Calibri" panose="020F0502020204030204" pitchFamily="34" charset="0"/>
-                <a:cs typeface="Calibri" panose="020F0502020204030204" pitchFamily="34" charset="0"/>
-              </a:rPr>
-              <a:t>khổ</a:t>
-            </a:r>
-            <a:r>
-              <a:rPr lang="fr-FR" sz="4400" b="1" dirty="0">
-                <a:solidFill>
-                  <a:srgbClr val="000066"/>
-                </a:solidFill>
-                <a:latin typeface="Calibri" panose="020F0502020204030204" pitchFamily="34" charset="0"/>
-                <a:cs typeface="Calibri" panose="020F0502020204030204" pitchFamily="34" charset="0"/>
-              </a:rPr>
-              <a:t> </a:t>
-            </a:r>
-            <a:r>
-              <a:rPr lang="fr-FR" sz="4400" b="1" dirty="0" err="1">
-                <a:solidFill>
-                  <a:srgbClr val="000066"/>
-                </a:solidFill>
-                <a:latin typeface="Calibri" panose="020F0502020204030204" pitchFamily="34" charset="0"/>
-                <a:cs typeface="Calibri" panose="020F0502020204030204" pitchFamily="34" charset="0"/>
-              </a:rPr>
-              <a:t>nạn</a:t>
-            </a:r>
-            <a:r>
-              <a:rPr lang="fr-FR" sz="4400" b="1" dirty="0">
-                <a:solidFill>
-                  <a:srgbClr val="000066"/>
-                </a:solidFill>
-                <a:latin typeface="Calibri" panose="020F0502020204030204" pitchFamily="34" charset="0"/>
-                <a:cs typeface="Calibri" panose="020F0502020204030204" pitchFamily="34" charset="0"/>
-              </a:rPr>
-              <a:t>, </a:t>
-            </a:r>
-            <a:r>
-              <a:rPr lang="fr-FR" sz="4400" b="1" dirty="0" err="1">
-                <a:solidFill>
-                  <a:srgbClr val="000066"/>
-                </a:solidFill>
-                <a:latin typeface="Calibri" panose="020F0502020204030204" pitchFamily="34" charset="0"/>
-                <a:cs typeface="Calibri" panose="020F0502020204030204" pitchFamily="34" charset="0"/>
-              </a:rPr>
-              <a:t>vẫn</a:t>
-            </a:r>
-            <a:r>
-              <a:rPr lang="fr-FR" sz="4400" b="1" dirty="0">
-                <a:solidFill>
-                  <a:srgbClr val="000066"/>
-                </a:solidFill>
-                <a:latin typeface="Calibri" panose="020F0502020204030204" pitchFamily="34" charset="0"/>
-                <a:cs typeface="Calibri" panose="020F0502020204030204" pitchFamily="34" charset="0"/>
-              </a:rPr>
-              <a:t> </a:t>
-            </a:r>
-            <a:r>
-              <a:rPr lang="fr-FR" sz="4400" b="1" dirty="0" err="1">
-                <a:solidFill>
-                  <a:srgbClr val="000066"/>
-                </a:solidFill>
-                <a:latin typeface="Calibri" panose="020F0502020204030204" pitchFamily="34" charset="0"/>
-                <a:cs typeface="Calibri" panose="020F0502020204030204" pitchFamily="34" charset="0"/>
-              </a:rPr>
-              <a:t>luôn</a:t>
-            </a:r>
-            <a:r>
-              <a:rPr lang="fr-FR" sz="4400" b="1" dirty="0">
-                <a:solidFill>
-                  <a:srgbClr val="000066"/>
-                </a:solidFill>
-                <a:latin typeface="Calibri" panose="020F0502020204030204" pitchFamily="34" charset="0"/>
-                <a:cs typeface="Calibri" panose="020F0502020204030204" pitchFamily="34" charset="0"/>
-              </a:rPr>
-              <a:t> </a:t>
-            </a:r>
-            <a:r>
-              <a:rPr lang="fr-FR" sz="4400" b="1" dirty="0" err="1">
-                <a:solidFill>
-                  <a:srgbClr val="000066"/>
-                </a:solidFill>
-                <a:latin typeface="Calibri" panose="020F0502020204030204" pitchFamily="34" charset="0"/>
-                <a:cs typeface="Calibri" panose="020F0502020204030204" pitchFamily="34" charset="0"/>
-              </a:rPr>
-              <a:t>bình</a:t>
-            </a:r>
-            <a:r>
-              <a:rPr lang="fr-FR" sz="4400" b="1" dirty="0">
-                <a:solidFill>
-                  <a:srgbClr val="000066"/>
-                </a:solidFill>
-                <a:latin typeface="Calibri" panose="020F0502020204030204" pitchFamily="34" charset="0"/>
-                <a:cs typeface="Calibri" panose="020F0502020204030204" pitchFamily="34" charset="0"/>
-              </a:rPr>
-              <a:t> an</a:t>
+              <a:rPr lang="fr-FR" sz="4400" b="1" dirty="0">
+                <a:solidFill>
+                  <a:srgbClr val="000066"/>
+                </a:solidFill>
+                <a:latin typeface="Calibri" panose="020F0502020204030204" pitchFamily="34" charset="0"/>
+                <a:cs typeface="Calibri" panose="020F0502020204030204" pitchFamily="34" charset="0"/>
+              </a:rPr>
+              <a:t>Dẫu cho khổ nạn, vẫn luôn </a:t>
+            </a:r>
+            <a:r>
+              <a:rPr lang="fr-FR" sz="4400" b="1" dirty="0" smtClean="0">
+                <a:solidFill>
+                  <a:srgbClr val="000066"/>
+                </a:solidFill>
+                <a:latin typeface="Calibri" panose="020F0502020204030204" pitchFamily="34" charset="0"/>
+                <a:cs typeface="Calibri" panose="020F0502020204030204" pitchFamily="34" charset="0"/>
+              </a:rPr>
+              <a:t>an bình</a:t>
             </a:r>
             <a:endParaRPr lang="en-US" altLang="zh-TW" sz="4400" b="1" dirty="0">
               <a:solidFill>
@@ -6606,7 +6500,7 @@
     </p:spTree>
     <p:extLst>
       <p:ext uri="{BB962C8B-B14F-4D97-AF65-F5344CB8AC3E}">
-        <p14:creationId xmlns:p14="http://schemas.microsoft.com/office/powerpoint/2010/main" val="2335342837"/>
+        <p14:creationId xmlns="" xmlns:p14="http://schemas.microsoft.com/office/powerpoint/2010/main" val="2335342837"/>
       </p:ext>
     </p:extLst>
   </p:cSld>
@@ -6745,13 +6639,6 @@
               </a:rPr>
               <a:t>, </a:t>
             </a:r>
-            <a:endParaRPr lang="fr-FR" sz="4400" b="1" dirty="0">
-              <a:solidFill>
-                <a:srgbClr val="000066"/>
-              </a:solidFill>
-              <a:latin typeface="Calibri" panose="020F0502020204030204" pitchFamily="34" charset="0"/>
-              <a:cs typeface="Calibri" panose="020F0502020204030204" pitchFamily="34" charset="0"/>
-            </a:endParaRPr>
           </a:p>
           <a:p>
             <a:pPr marL="0" indent="0" algn="ctr">
@@ -6919,7 +6806,7 @@
     </p:spTree>
     <p:extLst>
       <p:ext uri="{BB962C8B-B14F-4D97-AF65-F5344CB8AC3E}">
-        <p14:creationId xmlns:p14="http://schemas.microsoft.com/office/powerpoint/2010/main" val="3020592019"/>
+        <p14:creationId xmlns="" xmlns:p14="http://schemas.microsoft.com/office/powerpoint/2010/main" val="3020592019"/>
       </p:ext>
     </p:extLst>
   </p:cSld>
@@ -7279,7 +7166,7 @@
     </p:spTree>
     <p:extLst>
       <p:ext uri="{BB962C8B-B14F-4D97-AF65-F5344CB8AC3E}">
-        <p14:creationId xmlns:p14="http://schemas.microsoft.com/office/powerpoint/2010/main" val="1501369946"/>
+        <p14:creationId xmlns="" xmlns:p14="http://schemas.microsoft.com/office/powerpoint/2010/main" val="1501369946"/>
       </p:ext>
     </p:extLst>
   </p:cSld>
@@ -7578,7 +7465,7 @@
   <a:extraClrSchemeLst/>
   <a:extLst>
     <a:ext uri="{05A4C25C-085E-4340-85A3-A5531E510DB2}">
-      <thm15:themeFamily xmlns:thm15="http://schemas.microsoft.com/office/thememl/2012/main" name="Theme1" id="{A6908C52-260F-4FDD-A980-8B112851BF7C}" vid="{78246D61-936A-4A99-9F34-B301E70F022D}"/>
+      <thm15:themeFamily xmlns="" xmlns:thm15="http://schemas.microsoft.com/office/thememl/2012/main" name="Theme1" id="{A6908C52-260F-4FDD-A980-8B112851BF7C}" vid="{78246D61-936A-4A99-9F34-B301E70F022D}"/>
     </a:ext>
   </a:extLst>
 </a:theme>
